--- a/로슈 홈페이지 리뉴얼 제안서2021-1005.pptx
+++ b/로슈 홈페이지 리뉴얼 제안서2021-1005.pptx
@@ -254,7 +254,7 @@
           <a:p>
             <a:fld id="{32BADF0B-C1AA-4B9A-9C58-F0B078962046}" type="datetimeFigureOut">
               <a:rPr lang="ko-KR" altLang="en-US" smtClean="0"/>
-              <a:t>2021-10-05</a:t>
+              <a:t>2021-10-13</a:t>
             </a:fld>
             <a:endParaRPr lang="ko-KR" altLang="en-US"/>
           </a:p>
@@ -424,7 +424,7 @@
           <a:p>
             <a:fld id="{32BADF0B-C1AA-4B9A-9C58-F0B078962046}" type="datetimeFigureOut">
               <a:rPr lang="ko-KR" altLang="en-US" smtClean="0"/>
-              <a:t>2021-10-05</a:t>
+              <a:t>2021-10-13</a:t>
             </a:fld>
             <a:endParaRPr lang="ko-KR" altLang="en-US"/>
           </a:p>
@@ -604,7 +604,7 @@
           <a:p>
             <a:fld id="{32BADF0B-C1AA-4B9A-9C58-F0B078962046}" type="datetimeFigureOut">
               <a:rPr lang="ko-KR" altLang="en-US" smtClean="0"/>
-              <a:t>2021-10-05</a:t>
+              <a:t>2021-10-13</a:t>
             </a:fld>
             <a:endParaRPr lang="ko-KR" altLang="en-US"/>
           </a:p>
@@ -774,7 +774,7 @@
           <a:p>
             <a:fld id="{32BADF0B-C1AA-4B9A-9C58-F0B078962046}" type="datetimeFigureOut">
               <a:rPr lang="ko-KR" altLang="en-US" smtClean="0"/>
-              <a:t>2021-10-05</a:t>
+              <a:t>2021-10-13</a:t>
             </a:fld>
             <a:endParaRPr lang="ko-KR" altLang="en-US"/>
           </a:p>
@@ -1020,7 +1020,7 @@
           <a:p>
             <a:fld id="{32BADF0B-C1AA-4B9A-9C58-F0B078962046}" type="datetimeFigureOut">
               <a:rPr lang="ko-KR" altLang="en-US" smtClean="0"/>
-              <a:t>2021-10-05</a:t>
+              <a:t>2021-10-13</a:t>
             </a:fld>
             <a:endParaRPr lang="ko-KR" altLang="en-US"/>
           </a:p>
@@ -1252,7 +1252,7 @@
           <a:p>
             <a:fld id="{32BADF0B-C1AA-4B9A-9C58-F0B078962046}" type="datetimeFigureOut">
               <a:rPr lang="ko-KR" altLang="en-US" smtClean="0"/>
-              <a:t>2021-10-05</a:t>
+              <a:t>2021-10-13</a:t>
             </a:fld>
             <a:endParaRPr lang="ko-KR" altLang="en-US"/>
           </a:p>
@@ -1619,7 +1619,7 @@
           <a:p>
             <a:fld id="{32BADF0B-C1AA-4B9A-9C58-F0B078962046}" type="datetimeFigureOut">
               <a:rPr lang="ko-KR" altLang="en-US" smtClean="0"/>
-              <a:t>2021-10-05</a:t>
+              <a:t>2021-10-13</a:t>
             </a:fld>
             <a:endParaRPr lang="ko-KR" altLang="en-US"/>
           </a:p>
@@ -1737,7 +1737,7 @@
           <a:p>
             <a:fld id="{32BADF0B-C1AA-4B9A-9C58-F0B078962046}" type="datetimeFigureOut">
               <a:rPr lang="ko-KR" altLang="en-US" smtClean="0"/>
-              <a:t>2021-10-05</a:t>
+              <a:t>2021-10-13</a:t>
             </a:fld>
             <a:endParaRPr lang="ko-KR" altLang="en-US"/>
           </a:p>
@@ -1832,7 +1832,7 @@
           <a:p>
             <a:fld id="{32BADF0B-C1AA-4B9A-9C58-F0B078962046}" type="datetimeFigureOut">
               <a:rPr lang="ko-KR" altLang="en-US" smtClean="0"/>
-              <a:t>2021-10-05</a:t>
+              <a:t>2021-10-13</a:t>
             </a:fld>
             <a:endParaRPr lang="ko-KR" altLang="en-US"/>
           </a:p>
@@ -2109,7 +2109,7 @@
           <a:p>
             <a:fld id="{32BADF0B-C1AA-4B9A-9C58-F0B078962046}" type="datetimeFigureOut">
               <a:rPr lang="ko-KR" altLang="en-US" smtClean="0"/>
-              <a:t>2021-10-05</a:t>
+              <a:t>2021-10-13</a:t>
             </a:fld>
             <a:endParaRPr lang="ko-KR" altLang="en-US"/>
           </a:p>
@@ -2362,7 +2362,7 @@
           <a:p>
             <a:fld id="{32BADF0B-C1AA-4B9A-9C58-F0B078962046}" type="datetimeFigureOut">
               <a:rPr lang="ko-KR" altLang="en-US" smtClean="0"/>
-              <a:t>2021-10-05</a:t>
+              <a:t>2021-10-13</a:t>
             </a:fld>
             <a:endParaRPr lang="ko-KR" altLang="en-US"/>
           </a:p>
@@ -2575,7 +2575,7 @@
           <a:p>
             <a:fld id="{32BADF0B-C1AA-4B9A-9C58-F0B078962046}" type="datetimeFigureOut">
               <a:rPr lang="ko-KR" altLang="en-US" smtClean="0"/>
-              <a:t>2021-10-05</a:t>
+              <a:t>2021-10-13</a:t>
             </a:fld>
             <a:endParaRPr lang="ko-KR" altLang="en-US"/>
           </a:p>
@@ -7498,54 +7498,6 @@
           </a:p>
         </p:txBody>
       </p:sp>
-      <p:pic>
-        <p:nvPicPr>
-          <p:cNvPr id="3" name="그림 2"/>
-          <p:cNvPicPr>
-            <a:picLocks noChangeAspect="1"/>
-          </p:cNvPicPr>
-          <p:nvPr/>
-        </p:nvPicPr>
-        <p:blipFill>
-          <a:blip r:embed="rId2"/>
-          <a:stretch>
-            <a:fillRect/>
-          </a:stretch>
-        </p:blipFill>
-        <p:spPr>
-          <a:xfrm>
-            <a:off x="3211491" y="1241833"/>
-            <a:ext cx="4916305" cy="248298"/>
-          </a:xfrm>
-          <a:prstGeom prst="rect">
-            <a:avLst/>
-          </a:prstGeom>
-        </p:spPr>
-      </p:pic>
-      <p:pic>
-        <p:nvPicPr>
-          <p:cNvPr id="5" name="그림 4"/>
-          <p:cNvPicPr>
-            <a:picLocks noChangeAspect="1"/>
-          </p:cNvPicPr>
-          <p:nvPr/>
-        </p:nvPicPr>
-        <p:blipFill>
-          <a:blip r:embed="rId3"/>
-          <a:stretch>
-            <a:fillRect/>
-          </a:stretch>
-        </p:blipFill>
-        <p:spPr>
-          <a:xfrm>
-            <a:off x="7574974" y="788351"/>
-            <a:ext cx="3562082" cy="2608752"/>
-          </a:xfrm>
-          <a:prstGeom prst="rect">
-            <a:avLst/>
-          </a:prstGeom>
-        </p:spPr>
-      </p:pic>
       <p:graphicFrame>
         <p:nvGraphicFramePr>
           <p:cNvPr id="8" name="표 7"/>
@@ -7555,14 +7507,14 @@
           <p:nvPr>
             <p:extLst>
               <p:ext uri="{D42A27DB-BD31-4B8C-83A1-F6EECF244321}">
-                <p14:modId xmlns:p14="http://schemas.microsoft.com/office/powerpoint/2010/main" val="2886526468"/>
+                <p14:modId xmlns:p14="http://schemas.microsoft.com/office/powerpoint/2010/main" val="1035114888"/>
               </p:ext>
             </p:extLst>
           </p:nvPr>
         </p:nvGraphicFramePr>
         <p:xfrm>
-          <a:off x="2013752" y="2393966"/>
-          <a:ext cx="9067051" cy="3157706"/>
+          <a:off x="3124949" y="1908535"/>
+          <a:ext cx="8673763" cy="3157706"/>
         </p:xfrm>
         <a:graphic>
           <a:graphicData uri="http://schemas.openxmlformats.org/drawingml/2006/table">
@@ -7571,49 +7523,49 @@
                 <a:tableStyleId>{5C22544A-7EE6-4342-B048-85BDC9FD1C3A}</a:tableStyleId>
               </a:tblPr>
               <a:tblGrid>
-                <a:gridCol w="1295293">
+                <a:gridCol w="1239109">
                   <a:extLst>
                     <a:ext uri="{9D8B030D-6E8A-4147-A177-3AD203B41FA5}">
                       <a16:colId xmlns:a16="http://schemas.microsoft.com/office/drawing/2014/main" val="4262491803"/>
                     </a:ext>
                   </a:extLst>
                 </a:gridCol>
-                <a:gridCol w="1295293">
+                <a:gridCol w="1239109">
                   <a:extLst>
                     <a:ext uri="{9D8B030D-6E8A-4147-A177-3AD203B41FA5}">
                       <a16:colId xmlns:a16="http://schemas.microsoft.com/office/drawing/2014/main" val="3304530290"/>
                     </a:ext>
                   </a:extLst>
                 </a:gridCol>
-                <a:gridCol w="1295293">
+                <a:gridCol w="1239109">
                   <a:extLst>
                     <a:ext uri="{9D8B030D-6E8A-4147-A177-3AD203B41FA5}">
                       <a16:colId xmlns:a16="http://schemas.microsoft.com/office/drawing/2014/main" val="1137914704"/>
                     </a:ext>
                   </a:extLst>
                 </a:gridCol>
-                <a:gridCol w="1295293">
+                <a:gridCol w="1239109">
                   <a:extLst>
                     <a:ext uri="{9D8B030D-6E8A-4147-A177-3AD203B41FA5}">
                       <a16:colId xmlns:a16="http://schemas.microsoft.com/office/drawing/2014/main" val="1956878414"/>
                     </a:ext>
                   </a:extLst>
                 </a:gridCol>
-                <a:gridCol w="1295293">
+                <a:gridCol w="1239109">
                   <a:extLst>
                     <a:ext uri="{9D8B030D-6E8A-4147-A177-3AD203B41FA5}">
                       <a16:colId xmlns:a16="http://schemas.microsoft.com/office/drawing/2014/main" val="2171327604"/>
                     </a:ext>
                   </a:extLst>
                 </a:gridCol>
-                <a:gridCol w="1295293">
+                <a:gridCol w="1239109">
                   <a:extLst>
                     <a:ext uri="{9D8B030D-6E8A-4147-A177-3AD203B41FA5}">
                       <a16:colId xmlns:a16="http://schemas.microsoft.com/office/drawing/2014/main" val="673523487"/>
                     </a:ext>
                   </a:extLst>
                 </a:gridCol>
-                <a:gridCol w="1295293">
+                <a:gridCol w="1239109">
                   <a:extLst>
                     <a:ext uri="{9D8B030D-6E8A-4147-A177-3AD203B41FA5}">
                       <a16:colId xmlns:a16="http://schemas.microsoft.com/office/drawing/2014/main" val="1504245409"/>
@@ -7631,7 +7583,7 @@
                       <a:r>
                         <a:rPr lang="ko-KR" altLang="en-US" sz="1400" dirty="0" smtClean="0">
                           <a:solidFill>
-                            <a:srgbClr val="FF0000"/>
+                            <a:schemeClr val="tx1"/>
                           </a:solidFill>
                         </a:rPr>
                         <a:t>기업소개</a:t>
@@ -7649,14 +7601,14 @@
                       <a:r>
                         <a:rPr lang="ko-KR" altLang="en-US" sz="1400" dirty="0" smtClean="0">
                           <a:solidFill>
-                            <a:srgbClr val="FF0000"/>
+                            <a:schemeClr val="tx1"/>
                           </a:solidFill>
                         </a:rPr>
                         <a:t>연구개발</a:t>
                       </a:r>
                       <a:endParaRPr lang="en-US" altLang="ko-KR" sz="1400" dirty="0" smtClean="0">
                         <a:solidFill>
-                          <a:srgbClr val="FF0000"/>
+                          <a:schemeClr val="tx1"/>
                         </a:solidFill>
                       </a:endParaRPr>
                     </a:p>
@@ -7672,14 +7624,14 @@
                       <a:r>
                         <a:rPr lang="ko-KR" altLang="en-US" sz="1400" dirty="0" smtClean="0">
                           <a:solidFill>
-                            <a:srgbClr val="FF0000"/>
+                            <a:schemeClr val="tx1"/>
                           </a:solidFill>
                         </a:rPr>
                         <a:t>제품정보</a:t>
                       </a:r>
                       <a:endParaRPr lang="ko-KR" altLang="en-US" sz="1400" dirty="0">
                         <a:solidFill>
-                          <a:srgbClr val="FF0000"/>
+                          <a:schemeClr val="tx1"/>
                         </a:solidFill>
                       </a:endParaRPr>
                     </a:p>
@@ -7711,7 +7663,7 @@
                       <a:r>
                         <a:rPr lang="ko-KR" altLang="en-US" sz="1400" dirty="0" smtClean="0">
                           <a:solidFill>
-                            <a:srgbClr val="FF0000"/>
+                            <a:schemeClr val="tx1"/>
                           </a:solidFill>
                         </a:rPr>
                         <a:t>채용정보</a:t>
@@ -7729,14 +7681,14 @@
                       <a:r>
                         <a:rPr lang="ko-KR" altLang="en-US" sz="1400" dirty="0" smtClean="0">
                           <a:solidFill>
-                            <a:srgbClr val="FF0000"/>
+                            <a:schemeClr val="tx1"/>
                           </a:solidFill>
                         </a:rPr>
                         <a:t>홍보</a:t>
                       </a:r>
                       <a:endParaRPr lang="ko-KR" altLang="en-US" sz="1400" dirty="0">
                         <a:solidFill>
-                          <a:srgbClr val="FF0000"/>
+                          <a:schemeClr val="tx1"/>
                         </a:solidFill>
                       </a:endParaRPr>
                     </a:p>
@@ -7752,14 +7704,14 @@
                       <a:r>
                         <a:rPr lang="ko-KR" altLang="en-US" sz="1400" dirty="0" smtClean="0">
                           <a:solidFill>
-                            <a:srgbClr val="FF0000"/>
+                            <a:schemeClr val="tx1"/>
                           </a:solidFill>
                         </a:rPr>
                         <a:t>오시는 길</a:t>
                       </a:r>
                       <a:endParaRPr lang="ko-KR" altLang="en-US" sz="1400" dirty="0">
                         <a:solidFill>
-                          <a:srgbClr val="FF0000"/>
+                          <a:schemeClr val="tx1"/>
                         </a:solidFill>
                       </a:endParaRPr>
                     </a:p>
@@ -7791,10 +7743,18 @@
                     <a:p>
                       <a:pPr latinLnBrk="1"/>
                       <a:r>
-                        <a:rPr lang="ko-KR" altLang="en-US" sz="1400" dirty="0" smtClean="0"/>
+                        <a:rPr lang="ko-KR" altLang="en-US" sz="1400" dirty="0" smtClean="0">
+                          <a:solidFill>
+                            <a:srgbClr val="FF0000"/>
+                          </a:solidFill>
+                        </a:rPr>
                         <a:t>기업소개</a:t>
                       </a:r>
-                      <a:endParaRPr lang="ko-KR" altLang="en-US" sz="1400" dirty="0"/>
+                      <a:endParaRPr lang="ko-KR" altLang="en-US" sz="1400" dirty="0">
+                        <a:solidFill>
+                          <a:srgbClr val="FF0000"/>
+                        </a:solidFill>
+                      </a:endParaRPr>
                     </a:p>
                   </a:txBody>
                   <a:tcPr/>
@@ -7837,10 +7797,18 @@
                         <a:defRPr/>
                       </a:pPr>
                       <a:r>
-                        <a:rPr lang="ko-KR" altLang="en-US" sz="1400" dirty="0" err="1" smtClean="0"/>
+                        <a:rPr lang="ko-KR" altLang="en-US" sz="1400" dirty="0" err="1" smtClean="0">
+                          <a:solidFill>
+                            <a:srgbClr val="FF0000"/>
+                          </a:solidFill>
+                        </a:rPr>
                         <a:t>제품검색</a:t>
                       </a:r>
-                      <a:endParaRPr lang="ko-KR" altLang="en-US" sz="1400" dirty="0" smtClean="0"/>
+                      <a:endParaRPr lang="ko-KR" altLang="en-US" sz="1400" dirty="0" smtClean="0">
+                        <a:solidFill>
+                          <a:srgbClr val="FF0000"/>
+                        </a:solidFill>
+                      </a:endParaRPr>
                     </a:p>
                   </a:txBody>
                   <a:tcPr/>
@@ -7877,7 +7845,11 @@
                     <a:lstStyle/>
                     <a:p>
                       <a:pPr latinLnBrk="1"/>
-                      <a:endParaRPr lang="ko-KR" altLang="en-US" sz="1400" dirty="0"/>
+                      <a:endParaRPr lang="ko-KR" altLang="en-US" sz="1400" dirty="0">
+                        <a:solidFill>
+                          <a:srgbClr val="FF0000"/>
+                        </a:solidFill>
+                      </a:endParaRPr>
                     </a:p>
                   </a:txBody>
                   <a:tcPr/>
